--- a/簡報.pptx
+++ b/簡報.pptx
@@ -6,8 +6,6 @@
   </p:sldMasterIdLst>
   <p:sldIdLst>
     <p:sldId id="256" r:id="rId2"/>
-    <p:sldId id="257" r:id="rId3"/>
-    <p:sldId id="258" r:id="rId4"/>
   </p:sldIdLst>
   <p:sldSz cx="12192000" cy="6858000"/>
   <p:notesSz cx="6858000" cy="9144000"/>
@@ -3395,186 +3393,6 @@
 </p:sld>
 </file>
 
-<file path=ppt/slides/slide2.xml><?xml version="1.0" encoding="utf-8"?>
-<p:sld xmlns:a="http://schemas.openxmlformats.org/drawingml/2006/main" xmlns:r="http://schemas.openxmlformats.org/officeDocument/2006/relationships" xmlns:p="http://schemas.openxmlformats.org/presentationml/2006/main">
-  <p:cSld>
-    <p:spTree>
-      <p:nvGrpSpPr>
-        <p:cNvPr id="1" name="">
-          <a:extLst>
-            <a:ext uri="{FF2B5EF4-FFF2-40B4-BE49-F238E27FC236}">
-              <a16:creationId xmlns:a16="http://schemas.microsoft.com/office/drawing/2014/main" id="{672ADBCD-B963-71A4-EFF5-8407A082B10F}"/>
-            </a:ext>
-          </a:extLst>
-        </p:cNvPr>
-        <p:cNvGrpSpPr/>
-        <p:nvPr/>
-      </p:nvGrpSpPr>
-      <p:grpSpPr>
-        <a:xfrm>
-          <a:off x="0" y="0"/>
-          <a:ext cx="0" cy="0"/>
-          <a:chOff x="0" y="0"/>
-          <a:chExt cx="0" cy="0"/>
-        </a:xfrm>
-      </p:grpSpPr>
-      <p:sp>
-        <p:nvSpPr>
-          <p:cNvPr id="2" name="標題 1">
-            <a:extLst>
-              <a:ext uri="{FF2B5EF4-FFF2-40B4-BE49-F238E27FC236}">
-                <a16:creationId xmlns:a16="http://schemas.microsoft.com/office/drawing/2014/main" id="{0DA1442B-1A51-591C-BCB4-A689F1A2E329}"/>
-              </a:ext>
-            </a:extLst>
-          </p:cNvPr>
-          <p:cNvSpPr>
-            <a:spLocks noGrp="1"/>
-          </p:cNvSpPr>
-          <p:nvPr>
-            <p:ph type="ctrTitle"/>
-          </p:nvPr>
-        </p:nvSpPr>
-        <p:spPr/>
-        <p:txBody>
-          <a:bodyPr/>
-          <a:lstStyle/>
-          <a:p>
-            <a:r>
-              <a:rPr lang="en-US" altLang="zh-TW" dirty="0"/>
-              <a:t>1111111</a:t>
-            </a:r>
-            <a:endParaRPr lang="zh-TW" altLang="en-US" dirty="0"/>
-          </a:p>
-        </p:txBody>
-      </p:sp>
-      <p:sp>
-        <p:nvSpPr>
-          <p:cNvPr id="3" name="副標題 2">
-            <a:extLst>
-              <a:ext uri="{FF2B5EF4-FFF2-40B4-BE49-F238E27FC236}">
-                <a16:creationId xmlns:a16="http://schemas.microsoft.com/office/drawing/2014/main" id="{59BEA528-0D6F-0B6D-E8E5-9498626E9ACA}"/>
-              </a:ext>
-            </a:extLst>
-          </p:cNvPr>
-          <p:cNvSpPr>
-            <a:spLocks noGrp="1"/>
-          </p:cNvSpPr>
-          <p:nvPr>
-            <p:ph type="subTitle" idx="1"/>
-          </p:nvPr>
-        </p:nvSpPr>
-        <p:spPr/>
-        <p:txBody>
-          <a:bodyPr/>
-          <a:lstStyle/>
-          <a:p>
-            <a:endParaRPr lang="zh-TW" altLang="en-US" dirty="0"/>
-          </a:p>
-        </p:txBody>
-      </p:sp>
-    </p:spTree>
-    <p:extLst>
-      <p:ext uri="{BB962C8B-B14F-4D97-AF65-F5344CB8AC3E}">
-        <p14:creationId xmlns:p14="http://schemas.microsoft.com/office/powerpoint/2010/main" val="541426142"/>
-      </p:ext>
-    </p:extLst>
-  </p:cSld>
-  <p:clrMapOvr>
-    <a:masterClrMapping/>
-  </p:clrMapOvr>
-</p:sld>
-</file>
-
-<file path=ppt/slides/slide3.xml><?xml version="1.0" encoding="utf-8"?>
-<p:sld xmlns:a="http://schemas.openxmlformats.org/drawingml/2006/main" xmlns:r="http://schemas.openxmlformats.org/officeDocument/2006/relationships" xmlns:p="http://schemas.openxmlformats.org/presentationml/2006/main">
-  <p:cSld>
-    <p:spTree>
-      <p:nvGrpSpPr>
-        <p:cNvPr id="1" name="">
-          <a:extLst>
-            <a:ext uri="{FF2B5EF4-FFF2-40B4-BE49-F238E27FC236}">
-              <a16:creationId xmlns:a16="http://schemas.microsoft.com/office/drawing/2014/main" id="{801337A8-BED1-BD21-3689-A89D5C25530F}"/>
-            </a:ext>
-          </a:extLst>
-        </p:cNvPr>
-        <p:cNvGrpSpPr/>
-        <p:nvPr/>
-      </p:nvGrpSpPr>
-      <p:grpSpPr>
-        <a:xfrm>
-          <a:off x="0" y="0"/>
-          <a:ext cx="0" cy="0"/>
-          <a:chOff x="0" y="0"/>
-          <a:chExt cx="0" cy="0"/>
-        </a:xfrm>
-      </p:grpSpPr>
-      <p:sp>
-        <p:nvSpPr>
-          <p:cNvPr id="2" name="標題 1">
-            <a:extLst>
-              <a:ext uri="{FF2B5EF4-FFF2-40B4-BE49-F238E27FC236}">
-                <a16:creationId xmlns:a16="http://schemas.microsoft.com/office/drawing/2014/main" id="{A6BF41E5-E933-0D63-81D7-F325411173B9}"/>
-              </a:ext>
-            </a:extLst>
-          </p:cNvPr>
-          <p:cNvSpPr>
-            <a:spLocks noGrp="1"/>
-          </p:cNvSpPr>
-          <p:nvPr>
-            <p:ph type="ctrTitle"/>
-          </p:nvPr>
-        </p:nvSpPr>
-        <p:spPr/>
-        <p:txBody>
-          <a:bodyPr/>
-          <a:lstStyle/>
-          <a:p>
-            <a:r>
-              <a:rPr lang="en-US" altLang="zh-TW" dirty="0"/>
-              <a:t>1111111</a:t>
-            </a:r>
-            <a:endParaRPr lang="zh-TW" altLang="en-US" dirty="0"/>
-          </a:p>
-        </p:txBody>
-      </p:sp>
-      <p:sp>
-        <p:nvSpPr>
-          <p:cNvPr id="3" name="副標題 2">
-            <a:extLst>
-              <a:ext uri="{FF2B5EF4-FFF2-40B4-BE49-F238E27FC236}">
-                <a16:creationId xmlns:a16="http://schemas.microsoft.com/office/drawing/2014/main" id="{298A9E2D-8BFA-BB52-7874-1FF4E81C0259}"/>
-              </a:ext>
-            </a:extLst>
-          </p:cNvPr>
-          <p:cNvSpPr>
-            <a:spLocks noGrp="1"/>
-          </p:cNvSpPr>
-          <p:nvPr>
-            <p:ph type="subTitle" idx="1"/>
-          </p:nvPr>
-        </p:nvSpPr>
-        <p:spPr/>
-        <p:txBody>
-          <a:bodyPr/>
-          <a:lstStyle/>
-          <a:p>
-            <a:endParaRPr lang="zh-TW" altLang="en-US" dirty="0"/>
-          </a:p>
-        </p:txBody>
-      </p:sp>
-    </p:spTree>
-    <p:extLst>
-      <p:ext uri="{BB962C8B-B14F-4D97-AF65-F5344CB8AC3E}">
-        <p14:creationId xmlns:p14="http://schemas.microsoft.com/office/powerpoint/2010/main" val="2712555142"/>
-      </p:ext>
-    </p:extLst>
-  </p:cSld>
-  <p:clrMapOvr>
-    <a:masterClrMapping/>
-  </p:clrMapOvr>
-</p:sld>
-</file>
-
 <file path=ppt/theme/theme1.xml><?xml version="1.0" encoding="utf-8"?>
 <a:theme xmlns:a="http://schemas.openxmlformats.org/drawingml/2006/main" name="Office 佈景主題">
   <a:themeElements>
